--- a/arkanoid/Презентация.pptx
+++ b/arkanoid/Презентация.pptx
@@ -124,6 +124,11 @@
       </a:defRPr>
     </a:lvl9pPr>
   </p:defaultTextStyle>
+  <p:extLst>
+    <p:ext uri="{EFAFB233-063F-42B5-8137-9DF3F51BA10A}">
+      <p15:sldGuideLst xmlns:p15="http://schemas.microsoft.com/office/powerpoint/2012/main"/>
+    </p:ext>
+  </p:extLst>
 </p:presentation>
 </file>
 
@@ -318,7 +323,7 @@
           <a:p>
             <a:fld id="{836815A3-719F-4DC4-AE16-14D4AB258A86}" type="datetimeFigureOut">
               <a:rPr lang="ru-RU" smtClean="0"/>
-              <a:t>12.01.2023</a:t>
+              <a:t>16.01.2023</a:t>
             </a:fld>
             <a:endParaRPr lang="ru-RU"/>
           </a:p>
@@ -754,7 +759,7 @@
           <a:p>
             <a:fld id="{836815A3-719F-4DC4-AE16-14D4AB258A86}" type="datetimeFigureOut">
               <a:rPr lang="ru-RU" smtClean="0"/>
-              <a:t>12.01.2023</a:t>
+              <a:t>16.01.2023</a:t>
             </a:fld>
             <a:endParaRPr lang="ru-RU"/>
           </a:p>
@@ -1004,7 +1009,7 @@
           <a:p>
             <a:fld id="{836815A3-719F-4DC4-AE16-14D4AB258A86}" type="datetimeFigureOut">
               <a:rPr lang="ru-RU" smtClean="0"/>
-              <a:t>12.01.2023</a:t>
+              <a:t>16.01.2023</a:t>
             </a:fld>
             <a:endParaRPr lang="ru-RU"/>
           </a:p>
@@ -1312,7 +1317,7 @@
           <a:p>
             <a:fld id="{836815A3-719F-4DC4-AE16-14D4AB258A86}" type="datetimeFigureOut">
               <a:rPr lang="ru-RU" smtClean="0"/>
-              <a:t>12.01.2023</a:t>
+              <a:t>16.01.2023</a:t>
             </a:fld>
             <a:endParaRPr lang="ru-RU"/>
           </a:p>
@@ -1630,7 +1635,7 @@
           <a:p>
             <a:fld id="{836815A3-719F-4DC4-AE16-14D4AB258A86}" type="datetimeFigureOut">
               <a:rPr lang="ru-RU" smtClean="0"/>
-              <a:t>12.01.2023</a:t>
+              <a:t>16.01.2023</a:t>
             </a:fld>
             <a:endParaRPr lang="ru-RU"/>
           </a:p>
@@ -1932,7 +1937,7 @@
           <a:p>
             <a:fld id="{836815A3-719F-4DC4-AE16-14D4AB258A86}" type="datetimeFigureOut">
               <a:rPr lang="ru-RU" smtClean="0"/>
-              <a:t>12.01.2023</a:t>
+              <a:t>16.01.2023</a:t>
             </a:fld>
             <a:endParaRPr lang="ru-RU"/>
           </a:p>
@@ -2299,7 +2304,7 @@
           <a:p>
             <a:fld id="{836815A3-719F-4DC4-AE16-14D4AB258A86}" type="datetimeFigureOut">
               <a:rPr lang="ru-RU" smtClean="0"/>
-              <a:t>12.01.2023</a:t>
+              <a:t>16.01.2023</a:t>
             </a:fld>
             <a:endParaRPr lang="ru-RU"/>
           </a:p>
@@ -2473,7 +2478,7 @@
           <a:p>
             <a:fld id="{836815A3-719F-4DC4-AE16-14D4AB258A86}" type="datetimeFigureOut">
               <a:rPr lang="ru-RU" smtClean="0"/>
-              <a:t>12.01.2023</a:t>
+              <a:t>16.01.2023</a:t>
             </a:fld>
             <a:endParaRPr lang="ru-RU"/>
           </a:p>
@@ -2653,7 +2658,7 @@
           <a:p>
             <a:fld id="{836815A3-719F-4DC4-AE16-14D4AB258A86}" type="datetimeFigureOut">
               <a:rPr lang="ru-RU" smtClean="0"/>
-              <a:t>12.01.2023</a:t>
+              <a:t>16.01.2023</a:t>
             </a:fld>
             <a:endParaRPr lang="ru-RU"/>
           </a:p>
@@ -2823,7 +2828,7 @@
           <a:p>
             <a:fld id="{836815A3-719F-4DC4-AE16-14D4AB258A86}" type="datetimeFigureOut">
               <a:rPr lang="ru-RU" smtClean="0"/>
-              <a:t>12.01.2023</a:t>
+              <a:t>16.01.2023</a:t>
             </a:fld>
             <a:endParaRPr lang="ru-RU"/>
           </a:p>
@@ -3073,7 +3078,7 @@
           <a:p>
             <a:fld id="{836815A3-719F-4DC4-AE16-14D4AB258A86}" type="datetimeFigureOut">
               <a:rPr lang="ru-RU" smtClean="0"/>
-              <a:t>12.01.2023</a:t>
+              <a:t>16.01.2023</a:t>
             </a:fld>
             <a:endParaRPr lang="ru-RU"/>
           </a:p>
@@ -3309,7 +3314,7 @@
           <a:p>
             <a:fld id="{836815A3-719F-4DC4-AE16-14D4AB258A86}" type="datetimeFigureOut">
               <a:rPr lang="ru-RU" smtClean="0"/>
-              <a:t>12.01.2023</a:t>
+              <a:t>16.01.2023</a:t>
             </a:fld>
             <a:endParaRPr lang="ru-RU"/>
           </a:p>
@@ -3691,7 +3696,7 @@
           <a:p>
             <a:fld id="{836815A3-719F-4DC4-AE16-14D4AB258A86}" type="datetimeFigureOut">
               <a:rPr lang="ru-RU" smtClean="0"/>
-              <a:t>12.01.2023</a:t>
+              <a:t>16.01.2023</a:t>
             </a:fld>
             <a:endParaRPr lang="ru-RU"/>
           </a:p>
@@ -3809,7 +3814,7 @@
           <a:p>
             <a:fld id="{836815A3-719F-4DC4-AE16-14D4AB258A86}" type="datetimeFigureOut">
               <a:rPr lang="ru-RU" smtClean="0"/>
-              <a:t>12.01.2023</a:t>
+              <a:t>16.01.2023</a:t>
             </a:fld>
             <a:endParaRPr lang="ru-RU"/>
           </a:p>
@@ -3904,7 +3909,7 @@
           <a:p>
             <a:fld id="{836815A3-719F-4DC4-AE16-14D4AB258A86}" type="datetimeFigureOut">
               <a:rPr lang="ru-RU" smtClean="0"/>
-              <a:t>12.01.2023</a:t>
+              <a:t>16.01.2023</a:t>
             </a:fld>
             <a:endParaRPr lang="ru-RU"/>
           </a:p>
@@ -4159,7 +4164,7 @@
           <a:p>
             <a:fld id="{836815A3-719F-4DC4-AE16-14D4AB258A86}" type="datetimeFigureOut">
               <a:rPr lang="ru-RU" smtClean="0"/>
-              <a:t>12.01.2023</a:t>
+              <a:t>16.01.2023</a:t>
             </a:fld>
             <a:endParaRPr lang="ru-RU"/>
           </a:p>
@@ -4442,7 +4447,7 @@
           <a:p>
             <a:fld id="{836815A3-719F-4DC4-AE16-14D4AB258A86}" type="datetimeFigureOut">
               <a:rPr lang="ru-RU" smtClean="0"/>
-              <a:t>12.01.2023</a:t>
+              <a:t>16.01.2023</a:t>
             </a:fld>
             <a:endParaRPr lang="ru-RU"/>
           </a:p>
@@ -4854,7 +4859,7 @@
           <a:p>
             <a:fld id="{836815A3-719F-4DC4-AE16-14D4AB258A86}" type="datetimeFigureOut">
               <a:rPr lang="ru-RU" smtClean="0"/>
-              <a:t>12.01.2023</a:t>
+              <a:t>16.01.2023</a:t>
             </a:fld>
             <a:endParaRPr lang="ru-RU"/>
           </a:p>
@@ -5726,13 +5731,13 @@
   <p:clrMapOvr>
     <a:masterClrMapping/>
   </p:clrMapOvr>
-  <mc:AlternateContent xmlns:mc="http://schemas.openxmlformats.org/markup-compatibility/2006">
-    <mc:Choice xmlns:p15="http://schemas.microsoft.com/office/powerpoint/2012/main" Requires="p15">
+  <mc:AlternateContent xmlns:mc="http://schemas.openxmlformats.org/markup-compatibility/2006" xmlns:p15="http://schemas.microsoft.com/office/powerpoint/2012/main">
+    <mc:Choice Requires="p15">
       <p:transition xmlns:p14="http://schemas.microsoft.com/office/powerpoint/2010/main" spd="slow" p14:dur="6000">
         <p15:prstTrans prst="curtains"/>
       </p:transition>
     </mc:Choice>
-    <mc:Fallback>
+    <mc:Fallback xmlns="">
       <p:transition spd="slow">
         <p:fade/>
       </p:transition>
@@ -5836,13 +5841,13 @@
   <p:clrMapOvr>
     <a:masterClrMapping/>
   </p:clrMapOvr>
-  <mc:AlternateContent xmlns:mc="http://schemas.openxmlformats.org/markup-compatibility/2006">
-    <mc:Choice xmlns:p15="http://schemas.microsoft.com/office/powerpoint/2012/main" Requires="p15">
+  <mc:AlternateContent xmlns:mc="http://schemas.openxmlformats.org/markup-compatibility/2006" xmlns:p15="http://schemas.microsoft.com/office/powerpoint/2012/main">
+    <mc:Choice Requires="p15">
       <p:transition xmlns:p14="http://schemas.microsoft.com/office/powerpoint/2010/main" spd="slow" p14:dur="2000">
         <p15:prstTrans prst="crush"/>
       </p:transition>
     </mc:Choice>
-    <mc:Fallback>
+    <mc:Fallback xmlns="">
       <p:transition spd="slow">
         <p:fade/>
       </p:transition>
@@ -5979,13 +5984,13 @@
   <p:clrMapOvr>
     <a:masterClrMapping/>
   </p:clrMapOvr>
-  <mc:AlternateContent xmlns:mc="http://schemas.openxmlformats.org/markup-compatibility/2006">
-    <mc:Choice xmlns:p15="http://schemas.microsoft.com/office/powerpoint/2012/main" Requires="p15">
+  <mc:AlternateContent xmlns:mc="http://schemas.openxmlformats.org/markup-compatibility/2006" xmlns:p15="http://schemas.microsoft.com/office/powerpoint/2012/main">
+    <mc:Choice Requires="p15">
       <p:transition xmlns:p14="http://schemas.microsoft.com/office/powerpoint/2010/main" spd="slow" p14:dur="2000">
         <p15:prstTrans prst="fracture"/>
       </p:transition>
     </mc:Choice>
-    <mc:Fallback>
+    <mc:Fallback xmlns="">
       <p:transition spd="slow">
         <p:fade/>
       </p:transition>
@@ -6122,13 +6127,13 @@
   <p:clrMapOvr>
     <a:masterClrMapping/>
   </p:clrMapOvr>
-  <mc:AlternateContent xmlns:mc="http://schemas.openxmlformats.org/markup-compatibility/2006">
-    <mc:Choice xmlns:p14="http://schemas.microsoft.com/office/powerpoint/2010/main" Requires="p14">
+  <mc:AlternateContent xmlns:mc="http://schemas.openxmlformats.org/markup-compatibility/2006" xmlns:p14="http://schemas.microsoft.com/office/powerpoint/2010/main">
+    <mc:Choice Requires="p14">
       <p:transition spd="slow" p14:dur="1200">
         <p14:prism/>
       </p:transition>
     </mc:Choice>
-    <mc:Fallback>
+    <mc:Fallback xmlns="">
       <p:transition spd="slow">
         <p:fade/>
       </p:transition>
@@ -6265,13 +6270,13 @@
   <p:clrMapOvr>
     <a:masterClrMapping/>
   </p:clrMapOvr>
-  <mc:AlternateContent xmlns:mc="http://schemas.openxmlformats.org/markup-compatibility/2006">
-    <mc:Choice xmlns:p14="http://schemas.microsoft.com/office/powerpoint/2010/main" Requires="p14">
+  <mc:AlternateContent xmlns:mc="http://schemas.openxmlformats.org/markup-compatibility/2006" xmlns:p14="http://schemas.microsoft.com/office/powerpoint/2010/main">
+    <mc:Choice Requires="p14">
       <p:transition spd="slow" p14:dur="1500">
         <p14:window dir="vert"/>
       </p:transition>
     </mc:Choice>
-    <mc:Fallback>
+    <mc:Fallback xmlns="">
       <p:transition spd="slow">
         <p:fade/>
       </p:transition>
@@ -6408,13 +6413,13 @@
   <p:clrMapOvr>
     <a:masterClrMapping/>
   </p:clrMapOvr>
-  <mc:AlternateContent xmlns:mc="http://schemas.openxmlformats.org/markup-compatibility/2006">
-    <mc:Choice xmlns:p14="http://schemas.microsoft.com/office/powerpoint/2010/main" Requires="p14">
+  <mc:AlternateContent xmlns:mc="http://schemas.openxmlformats.org/markup-compatibility/2006" xmlns:p14="http://schemas.microsoft.com/office/powerpoint/2010/main">
+    <mc:Choice Requires="p14">
       <p:transition spd="slow" p14:dur="2000">
         <p14:ferris dir="l"/>
       </p:transition>
     </mc:Choice>
-    <mc:Fallback>
+    <mc:Fallback xmlns="">
       <p:transition spd="slow">
         <p:fade/>
       </p:transition>
@@ -6551,13 +6556,13 @@
   <p:clrMapOvr>
     <a:masterClrMapping/>
   </p:clrMapOvr>
-  <mc:AlternateContent xmlns:mc="http://schemas.openxmlformats.org/markup-compatibility/2006">
-    <mc:Choice xmlns:p14="http://schemas.microsoft.com/office/powerpoint/2010/main" Requires="p14">
+  <mc:AlternateContent xmlns:mc="http://schemas.openxmlformats.org/markup-compatibility/2006" xmlns:p14="http://schemas.microsoft.com/office/powerpoint/2010/main">
+    <mc:Choice Requires="p14">
       <p:transition spd="slow" p14:dur="4000">
         <p14:vortex dir="r"/>
       </p:transition>
     </mc:Choice>
-    <mc:Fallback>
+    <mc:Fallback xmlns="">
       <p:transition spd="slow">
         <p:fade/>
       </p:transition>
@@ -6661,13 +6666,13 @@
   <p:clrMapOvr>
     <a:masterClrMapping/>
   </p:clrMapOvr>
-  <mc:AlternateContent xmlns:mc="http://schemas.openxmlformats.org/markup-compatibility/2006">
-    <mc:Choice xmlns:p14="http://schemas.microsoft.com/office/powerpoint/2010/main" Requires="p14">
+  <mc:AlternateContent xmlns:mc="http://schemas.openxmlformats.org/markup-compatibility/2006" xmlns:p14="http://schemas.microsoft.com/office/powerpoint/2010/main">
+    <mc:Choice Requires="p14">
       <p:transition spd="slow" p14:dur="1250">
         <p14:flip dir="r"/>
       </p:transition>
     </mc:Choice>
-    <mc:Fallback>
+    <mc:Fallback xmlns="">
       <p:transition spd="slow">
         <p:fade/>
       </p:transition>
@@ -6804,13 +6809,13 @@
   <p:clrMapOvr>
     <a:masterClrMapping/>
   </p:clrMapOvr>
-  <mc:AlternateContent xmlns:mc="http://schemas.openxmlformats.org/markup-compatibility/2006">
-    <mc:Choice xmlns:p14="http://schemas.microsoft.com/office/powerpoint/2010/main" Requires="p14">
+  <mc:AlternateContent xmlns:mc="http://schemas.openxmlformats.org/markup-compatibility/2006" xmlns:p14="http://schemas.microsoft.com/office/powerpoint/2010/main">
+    <mc:Choice Requires="p14">
       <p:transition spd="slow" p14:dur="4000">
         <p14:vortex dir="r"/>
       </p:transition>
     </mc:Choice>
-    <mc:Fallback>
+    <mc:Fallback xmlns="">
       <p:transition spd="slow">
         <p:fade/>
       </p:transition>
@@ -6914,13 +6919,13 @@
   <p:clrMapOvr>
     <a:masterClrMapping/>
   </p:clrMapOvr>
-  <mc:AlternateContent xmlns:mc="http://schemas.openxmlformats.org/markup-compatibility/2006">
-    <mc:Choice xmlns:p14="http://schemas.microsoft.com/office/powerpoint/2010/main" Requires="p14">
+  <mc:AlternateContent xmlns:mc="http://schemas.openxmlformats.org/markup-compatibility/2006" xmlns:p14="http://schemas.microsoft.com/office/powerpoint/2010/main">
+    <mc:Choice Requires="p14">
       <p:transition spd="slow">
         <p14:flash/>
       </p:transition>
     </mc:Choice>
-    <mc:Fallback>
+    <mc:Fallback xmlns="">
       <p:transition spd="slow">
         <p:fade/>
       </p:transition>
@@ -6966,7 +6971,7 @@
         <p:spPr>
           <a:xfrm>
             <a:off x="926926" y="914401"/>
-            <a:ext cx="11786448" cy="4576640"/>
+            <a:ext cx="11786448" cy="5553074"/>
           </a:xfrm>
         </p:spPr>
         <p:txBody>
@@ -7044,9 +7049,46 @@
                   <a:schemeClr val="tx1"/>
                 </a:solidFill>
               </a:rPr>
-              <a:t>    pip==22.3.1</a:t>
-            </a:r>
-            <a:endParaRPr lang="ru-RU" sz="4400" dirty="0">
+              <a:t>    pip==</a:t>
+            </a:r>
+            <a:r>
+              <a:rPr lang="en-US" sz="4400" dirty="0" smtClean="0">
+                <a:solidFill>
+                  <a:schemeClr val="tx1"/>
+                </a:solidFill>
+              </a:rPr>
+              <a:t>22.3.1</a:t>
+            </a:r>
+          </a:p>
+          <a:p>
+            <a:pPr marL="0" indent="0">
+              <a:buNone/>
+            </a:pPr>
+            <a:r>
+              <a:rPr lang="en-US" sz="4400" dirty="0">
+                <a:solidFill>
+                  <a:schemeClr val="tx1"/>
+                </a:solidFill>
+              </a:rPr>
+              <a:t> </a:t>
+            </a:r>
+            <a:r>
+              <a:rPr lang="en-US" sz="4400" dirty="0" smtClean="0">
+                <a:solidFill>
+                  <a:schemeClr val="tx1"/>
+                </a:solidFill>
+              </a:rPr>
+              <a:t>   </a:t>
+            </a:r>
+            <a:r>
+              <a:rPr lang="en-US" sz="4400" dirty="0" err="1" smtClean="0">
+                <a:solidFill>
+                  <a:schemeClr val="tx1"/>
+                </a:solidFill>
+              </a:rPr>
+              <a:t>os</a:t>
+            </a:r>
+            <a:endParaRPr lang="en-US" sz="4400" dirty="0" smtClean="0">
               <a:solidFill>
                 <a:schemeClr val="tx1"/>
               </a:solidFill>
@@ -7056,6 +7098,43 @@
             <a:pPr marL="0" indent="0">
               <a:buNone/>
             </a:pPr>
+            <a:r>
+              <a:rPr lang="en-US" sz="4400" dirty="0">
+                <a:solidFill>
+                  <a:schemeClr val="tx1"/>
+                </a:solidFill>
+              </a:rPr>
+              <a:t> </a:t>
+            </a:r>
+            <a:r>
+              <a:rPr lang="en-US" sz="4400" dirty="0" smtClean="0">
+                <a:solidFill>
+                  <a:schemeClr val="tx1"/>
+                </a:solidFill>
+              </a:rPr>
+              <a:t>   random</a:t>
+            </a:r>
+          </a:p>
+          <a:p>
+            <a:pPr marL="0" indent="0">
+              <a:buNone/>
+            </a:pPr>
+            <a:r>
+              <a:rPr lang="en-US" sz="4400" dirty="0">
+                <a:solidFill>
+                  <a:schemeClr val="tx1"/>
+                </a:solidFill>
+              </a:rPr>
+              <a:t> </a:t>
+            </a:r>
+            <a:r>
+              <a:rPr lang="en-US" sz="4400" dirty="0" smtClean="0">
+                <a:solidFill>
+                  <a:schemeClr val="tx1"/>
+                </a:solidFill>
+              </a:rPr>
+              <a:t>   time</a:t>
+            </a:r>
             <a:endParaRPr lang="ru-RU" sz="4400" dirty="0">
               <a:solidFill>
                 <a:schemeClr val="tx1"/>
@@ -7074,13 +7153,13 @@
   <p:clrMapOvr>
     <a:masterClrMapping/>
   </p:clrMapOvr>
-  <mc:AlternateContent xmlns:mc="http://schemas.openxmlformats.org/markup-compatibility/2006">
-    <mc:Choice xmlns:p14="http://schemas.microsoft.com/office/powerpoint/2010/main" Requires="p14">
+  <mc:AlternateContent xmlns:mc="http://schemas.openxmlformats.org/markup-compatibility/2006" xmlns:p14="http://schemas.microsoft.com/office/powerpoint/2010/main">
+    <mc:Choice Requires="p14">
       <p:transition spd="med" p14:dur="700">
         <p:fade/>
       </p:transition>
     </mc:Choice>
-    <mc:Fallback>
+    <mc:Fallback xmlns="">
       <p:transition spd="med">
         <p:fade/>
       </p:transition>
@@ -7186,13 +7265,13 @@
   <p:clrMapOvr>
     <a:masterClrMapping/>
   </p:clrMapOvr>
-  <mc:AlternateContent xmlns:mc="http://schemas.openxmlformats.org/markup-compatibility/2006">
-    <mc:Choice xmlns:p15="http://schemas.microsoft.com/office/powerpoint/2012/main" Requires="p15">
+  <mc:AlternateContent xmlns:mc="http://schemas.openxmlformats.org/markup-compatibility/2006" xmlns:p15="http://schemas.microsoft.com/office/powerpoint/2012/main">
+    <mc:Choice Requires="p15">
       <p:transition xmlns:p14="http://schemas.microsoft.com/office/powerpoint/2010/main" spd="slow" p14:dur="2000">
         <p15:prstTrans prst="fracture"/>
       </p:transition>
     </mc:Choice>
-    <mc:Fallback>
+    <mc:Fallback xmlns="">
       <p:transition spd="slow">
         <p:fade/>
       </p:transition>
@@ -7440,13 +7519,13 @@
   <p:clrMapOvr>
     <a:masterClrMapping/>
   </p:clrMapOvr>
-  <mc:AlternateContent xmlns:mc="http://schemas.openxmlformats.org/markup-compatibility/2006">
-    <mc:Choice xmlns:p15="http://schemas.microsoft.com/office/powerpoint/2012/main" Requires="p15">
+  <mc:AlternateContent xmlns:mc="http://schemas.openxmlformats.org/markup-compatibility/2006" xmlns:p15="http://schemas.microsoft.com/office/powerpoint/2012/main">
+    <mc:Choice Requires="p15">
       <p:transition xmlns:p14="http://schemas.microsoft.com/office/powerpoint/2010/main" spd="slow" p14:dur="2000">
         <p15:prstTrans prst="crush"/>
       </p:transition>
     </mc:Choice>
-    <mc:Fallback>
+    <mc:Fallback xmlns="">
       <p:transition spd="slow">
         <p:fade/>
       </p:transition>
@@ -8191,13 +8270,13 @@
   <p:clrMapOvr>
     <a:masterClrMapping/>
   </p:clrMapOvr>
-  <mc:AlternateContent xmlns:mc="http://schemas.openxmlformats.org/markup-compatibility/2006">
-    <mc:Choice xmlns:p14="http://schemas.microsoft.com/office/powerpoint/2010/main" Requires="p14">
+  <mc:AlternateContent xmlns:mc="http://schemas.openxmlformats.org/markup-compatibility/2006" xmlns:p14="http://schemas.microsoft.com/office/powerpoint/2010/main">
+    <mc:Choice Requires="p14">
       <p:transition spd="slow" p14:dur="800">
         <p:circle/>
       </p:transition>
     </mc:Choice>
-    <mc:Fallback>
+    <mc:Fallback xmlns="">
       <p:transition spd="slow">
         <p:circle/>
       </p:transition>
@@ -8786,13 +8865,13 @@
   <p:clrMapOvr>
     <a:masterClrMapping/>
   </p:clrMapOvr>
-  <mc:AlternateContent xmlns:mc="http://schemas.openxmlformats.org/markup-compatibility/2006">
-    <mc:Choice xmlns:p15="http://schemas.microsoft.com/office/powerpoint/2012/main" Requires="p15">
+  <mc:AlternateContent xmlns:mc="http://schemas.openxmlformats.org/markup-compatibility/2006" xmlns:p15="http://schemas.microsoft.com/office/powerpoint/2012/main">
+    <mc:Choice Requires="p15">
       <p:transition xmlns:p14="http://schemas.microsoft.com/office/powerpoint/2010/main" spd="slow" p14:dur="3250">
         <p15:prstTrans prst="origami"/>
       </p:transition>
     </mc:Choice>
-    <mc:Fallback>
+    <mc:Fallback xmlns="">
       <p:transition spd="slow">
         <p:fade/>
       </p:transition>
@@ -8896,13 +8975,13 @@
   <p:clrMapOvr>
     <a:masterClrMapping/>
   </p:clrMapOvr>
-  <mc:AlternateContent xmlns:mc="http://schemas.openxmlformats.org/markup-compatibility/2006">
-    <mc:Choice xmlns:p14="http://schemas.microsoft.com/office/powerpoint/2010/main" Requires="p14">
+  <mc:AlternateContent xmlns:mc="http://schemas.openxmlformats.org/markup-compatibility/2006" xmlns:p14="http://schemas.microsoft.com/office/powerpoint/2010/main">
+    <mc:Choice Requires="p14">
       <p:transition spd="slow" p14:dur="4000">
         <p14:vortex dir="r"/>
       </p:transition>
     </mc:Choice>
-    <mc:Fallback>
+    <mc:Fallback xmlns="">
       <p:transition spd="slow">
         <p:fade/>
       </p:transition>
@@ -9006,13 +9085,13 @@
   <p:clrMapOvr>
     <a:masterClrMapping/>
   </p:clrMapOvr>
-  <mc:AlternateContent xmlns:mc="http://schemas.openxmlformats.org/markup-compatibility/2006">
-    <mc:Choice xmlns:p14="http://schemas.microsoft.com/office/powerpoint/2010/main" Requires="p14">
+  <mc:AlternateContent xmlns:mc="http://schemas.openxmlformats.org/markup-compatibility/2006" xmlns:p14="http://schemas.microsoft.com/office/powerpoint/2010/main">
+    <mc:Choice Requires="p14">
       <p:transition spd="slow" p14:dur="4400">
         <p14:honeycomb/>
       </p:transition>
     </mc:Choice>
-    <mc:Fallback>
+    <mc:Fallback xmlns="">
       <p:transition spd="slow">
         <p:fade/>
       </p:transition>
@@ -9149,13 +9228,13 @@
   <p:clrMapOvr>
     <a:masterClrMapping/>
   </p:clrMapOvr>
-  <mc:AlternateContent xmlns:mc="http://schemas.openxmlformats.org/markup-compatibility/2006">
-    <mc:Choice xmlns:p14="http://schemas.microsoft.com/office/powerpoint/2010/main" Requires="p14">
+  <mc:AlternateContent xmlns:mc="http://schemas.openxmlformats.org/markup-compatibility/2006" xmlns:p14="http://schemas.microsoft.com/office/powerpoint/2010/main">
+    <mc:Choice Requires="p14">
       <p:transition spd="slow" p14:dur="4000">
         <p14:vortex dir="r"/>
       </p:transition>
     </mc:Choice>
-    <mc:Fallback>
+    <mc:Fallback xmlns="">
       <p:transition spd="slow">
         <p:fade/>
       </p:transition>
